--- a/Project/presentations/DY_ProjectPresentation_13Jul.pptx
+++ b/Project/presentations/DY_ProjectPresentation_13Jul.pptx
@@ -205,7 +205,7 @@
           <a:p>
             <a:fld id="{97F0736C-2C58-A54D-835A-95E9CCCE96E9}" type="datetimeFigureOut">
               <a:rPr lang="en-US" smtClean="0"/>
-              <a:t>7/13/15</a:t>
+              <a:t>7/26/15</a:t>
             </a:fld>
             <a:endParaRPr lang="en-US"/>
           </a:p>
@@ -370,7 +370,7 @@
           <a:p>
             <a:fld id="{D1797828-E7C9-1E48-8A17-88F2FCF69ACD}" type="datetimeFigureOut">
               <a:rPr lang="en-US" smtClean="0"/>
-              <a:t>7/13/15</a:t>
+              <a:t>7/26/15</a:t>
             </a:fld>
             <a:endParaRPr lang="en-US"/>
           </a:p>
@@ -2042,7 +2042,7 @@
           <a:p>
             <a:fld id="{AABE8A74-5C7F-7B43-BA80-5789BE850E44}" type="datetimeFigureOut">
               <a:rPr lang="en-US" smtClean="0"/>
-              <a:t>7/13/15</a:t>
+              <a:t>7/26/15</a:t>
             </a:fld>
             <a:endParaRPr lang="en-US"/>
           </a:p>
@@ -2212,7 +2212,7 @@
           <a:p>
             <a:fld id="{AABE8A74-5C7F-7B43-BA80-5789BE850E44}" type="datetimeFigureOut">
               <a:rPr lang="en-US" smtClean="0"/>
-              <a:t>7/13/15</a:t>
+              <a:t>7/26/15</a:t>
             </a:fld>
             <a:endParaRPr lang="en-US"/>
           </a:p>
@@ -2392,7 +2392,7 @@
           <a:p>
             <a:fld id="{AABE8A74-5C7F-7B43-BA80-5789BE850E44}" type="datetimeFigureOut">
               <a:rPr lang="en-US" smtClean="0"/>
-              <a:t>7/13/15</a:t>
+              <a:t>7/26/15</a:t>
             </a:fld>
             <a:endParaRPr lang="en-US"/>
           </a:p>
@@ -2562,7 +2562,7 @@
           <a:p>
             <a:fld id="{AABE8A74-5C7F-7B43-BA80-5789BE850E44}" type="datetimeFigureOut">
               <a:rPr lang="en-US" smtClean="0"/>
-              <a:t>7/13/15</a:t>
+              <a:t>7/26/15</a:t>
             </a:fld>
             <a:endParaRPr lang="en-US"/>
           </a:p>
@@ -2808,7 +2808,7 @@
           <a:p>
             <a:fld id="{AABE8A74-5C7F-7B43-BA80-5789BE850E44}" type="datetimeFigureOut">
               <a:rPr lang="en-US" smtClean="0"/>
-              <a:t>7/13/15</a:t>
+              <a:t>7/26/15</a:t>
             </a:fld>
             <a:endParaRPr lang="en-US"/>
           </a:p>
@@ -3096,7 +3096,7 @@
           <a:p>
             <a:fld id="{AABE8A74-5C7F-7B43-BA80-5789BE850E44}" type="datetimeFigureOut">
               <a:rPr lang="en-US" smtClean="0"/>
-              <a:t>7/13/15</a:t>
+              <a:t>7/26/15</a:t>
             </a:fld>
             <a:endParaRPr lang="en-US"/>
           </a:p>
@@ -3518,7 +3518,7 @@
           <a:p>
             <a:fld id="{AABE8A74-5C7F-7B43-BA80-5789BE850E44}" type="datetimeFigureOut">
               <a:rPr lang="en-US" smtClean="0"/>
-              <a:t>7/13/15</a:t>
+              <a:t>7/26/15</a:t>
             </a:fld>
             <a:endParaRPr lang="en-US"/>
           </a:p>
@@ -3636,7 +3636,7 @@
           <a:p>
             <a:fld id="{AABE8A74-5C7F-7B43-BA80-5789BE850E44}" type="datetimeFigureOut">
               <a:rPr lang="en-US" smtClean="0"/>
-              <a:t>7/13/15</a:t>
+              <a:t>7/26/15</a:t>
             </a:fld>
             <a:endParaRPr lang="en-US"/>
           </a:p>
@@ -3731,7 +3731,7 @@
           <a:p>
             <a:fld id="{AABE8A74-5C7F-7B43-BA80-5789BE850E44}" type="datetimeFigureOut">
               <a:rPr lang="en-US" smtClean="0"/>
-              <a:t>7/13/15</a:t>
+              <a:t>7/26/15</a:t>
             </a:fld>
             <a:endParaRPr lang="en-US"/>
           </a:p>
@@ -4008,7 +4008,7 @@
           <a:p>
             <a:fld id="{AABE8A74-5C7F-7B43-BA80-5789BE850E44}" type="datetimeFigureOut">
               <a:rPr lang="en-US" smtClean="0"/>
-              <a:t>7/13/15</a:t>
+              <a:t>7/26/15</a:t>
             </a:fld>
             <a:endParaRPr lang="en-US"/>
           </a:p>
@@ -4261,7 +4261,7 @@
           <a:p>
             <a:fld id="{AABE8A74-5C7F-7B43-BA80-5789BE850E44}" type="datetimeFigureOut">
               <a:rPr lang="en-US" smtClean="0"/>
-              <a:t>7/13/15</a:t>
+              <a:t>7/26/15</a:t>
             </a:fld>
             <a:endParaRPr lang="en-US"/>
           </a:p>
@@ -4474,7 +4474,7 @@
           <a:p>
             <a:fld id="{AABE8A74-5C7F-7B43-BA80-5789BE850E44}" type="datetimeFigureOut">
               <a:rPr lang="en-US" smtClean="0"/>
-              <a:t>7/13/15</a:t>
+              <a:t>7/26/15</a:t>
             </a:fld>
             <a:endParaRPr lang="en-US"/>
           </a:p>
@@ -5320,17 +5320,7 @@
                 <a:latin typeface="Helvetica"/>
                 <a:cs typeface="Helvetica"/>
               </a:rPr>
-              <a:t> Modeling! (not started yet</a:t>
-            </a:r>
-            <a:r>
-              <a:rPr lang="en-US" sz="2200" dirty="0" smtClean="0">
-                <a:solidFill>
-                  <a:srgbClr val="000000"/>
-                </a:solidFill>
-                <a:latin typeface="Helvetica"/>
-                <a:cs typeface="Helvetica"/>
-              </a:rPr>
-              <a:t>)</a:t>
+              <a:t> Modeling! (not started yet)</a:t>
             </a:r>
           </a:p>
           <a:p>
@@ -5729,14 +5719,7 @@
                 <a:latin typeface="Helvetica"/>
                 <a:cs typeface="Helvetica"/>
               </a:rPr>
-              <a:t> season and months</a:t>
-            </a:r>
-            <a:r>
-              <a:rPr lang="en-US" dirty="0" smtClean="0">
-                <a:latin typeface="Helvetica"/>
-                <a:cs typeface="Helvetica"/>
-              </a:rPr>
-              <a:t>)</a:t>
+              <a:t> season and months)</a:t>
             </a:r>
           </a:p>
           <a:p>
